--- a/groups/14-feedCtrl/Presentation1.pptx
+++ b/groups/14-feedCtrl/Presentation1.pptx
@@ -112,6 +112,11 @@
       </a:defRPr>
     </a:lvl9pPr>
   </p:defaultTextStyle>
+  <p:extLst>
+    <p:ext uri="{EFAFB233-063F-42B5-8137-9DF3F51BA10A}">
+      <p15:sldGuideLst xmlns:p15="http://schemas.microsoft.com/office/powerpoint/2012/main"/>
+    </p:ext>
+  </p:extLst>
 </p:presentation>
 </file>
 
@@ -5468,7 +5473,7 @@
             <a:fld id="{B61BEF0D-F0BB-DE4B-95CE-6DB70DBA9567}" type="datetimeFigureOut">
               <a:rPr lang="en-US" dirty="0"/>
               <a:pPr/>
-              <a:t>4/14/20</a:t>
+              <a:t>4/15/20</a:t>
             </a:fld>
             <a:endParaRPr lang="en-US" dirty="0"/>
           </a:p>
@@ -5756,7 +5761,7 @@
             <a:fld id="{B61BEF0D-F0BB-DE4B-95CE-6DB70DBA9567}" type="datetimeFigureOut">
               <a:rPr lang="en-US" dirty="0"/>
               <a:pPr/>
-              <a:t>4/14/20</a:t>
+              <a:t>4/15/20</a:t>
             </a:fld>
             <a:endParaRPr lang="en-US" dirty="0"/>
           </a:p>
@@ -6012,7 +6017,7 @@
             <a:fld id="{B61BEF0D-F0BB-DE4B-95CE-6DB70DBA9567}" type="datetimeFigureOut">
               <a:rPr lang="en-US" dirty="0"/>
               <a:pPr/>
-              <a:t>4/14/20</a:t>
+              <a:t>4/15/20</a:t>
             </a:fld>
             <a:endParaRPr lang="en-US" dirty="0"/>
           </a:p>
@@ -6478,7 +6483,7 @@
             <a:fld id="{B61BEF0D-F0BB-DE4B-95CE-6DB70DBA9567}" type="datetimeFigureOut">
               <a:rPr lang="en-US" dirty="0"/>
               <a:pPr/>
-              <a:t>4/14/20</a:t>
+              <a:t>4/15/20</a:t>
             </a:fld>
             <a:endParaRPr lang="en-US" dirty="0"/>
           </a:p>
@@ -6655,7 +6660,7 @@
             <a:fld id="{B61BEF0D-F0BB-DE4B-95CE-6DB70DBA9567}" type="datetimeFigureOut">
               <a:rPr lang="en-US" dirty="0"/>
               <a:pPr/>
-              <a:t>4/14/20</a:t>
+              <a:t>4/15/20</a:t>
             </a:fld>
             <a:endParaRPr lang="en-US" dirty="0"/>
           </a:p>
@@ -7228,7 +7233,7 @@
             <a:fld id="{B61BEF0D-F0BB-DE4B-95CE-6DB70DBA9567}" type="datetimeFigureOut">
               <a:rPr lang="en-US" dirty="0"/>
               <a:pPr/>
-              <a:t>4/14/20</a:t>
+              <a:t>4/15/20</a:t>
             </a:fld>
             <a:endParaRPr lang="en-US" dirty="0"/>
           </a:p>
@@ -7557,7 +7562,7 @@
             <a:fld id="{B61BEF0D-F0BB-DE4B-95CE-6DB70DBA9567}" type="datetimeFigureOut">
               <a:rPr lang="en-US" dirty="0"/>
               <a:pPr/>
-              <a:t>4/14/20</a:t>
+              <a:t>4/15/20</a:t>
             </a:fld>
             <a:endParaRPr lang="en-US" dirty="0"/>
           </a:p>
@@ -7729,7 +7734,7 @@
             <a:fld id="{B61BEF0D-F0BB-DE4B-95CE-6DB70DBA9567}" type="datetimeFigureOut">
               <a:rPr lang="en-US" dirty="0"/>
               <a:pPr/>
-              <a:t>4/14/20</a:t>
+              <a:t>4/15/20</a:t>
             </a:fld>
             <a:endParaRPr lang="en-US" dirty="0"/>
           </a:p>
@@ -7906,7 +7911,7 @@
             <a:fld id="{B61BEF0D-F0BB-DE4B-95CE-6DB70DBA9567}" type="datetimeFigureOut">
               <a:rPr lang="en-US" dirty="0"/>
               <a:pPr/>
-              <a:t>4/14/20</a:t>
+              <a:t>4/15/20</a:t>
             </a:fld>
             <a:endParaRPr lang="en-US" dirty="0"/>
           </a:p>
@@ -8073,7 +8078,7 @@
             <a:fld id="{B61BEF0D-F0BB-DE4B-95CE-6DB70DBA9567}" type="datetimeFigureOut">
               <a:rPr lang="en-US" dirty="0"/>
               <a:pPr/>
-              <a:t>4/14/20</a:t>
+              <a:t>4/15/20</a:t>
             </a:fld>
             <a:endParaRPr lang="en-US" dirty="0"/>
           </a:p>
@@ -8327,7 +8332,7 @@
             <a:fld id="{B61BEF0D-F0BB-DE4B-95CE-6DB70DBA9567}" type="datetimeFigureOut">
               <a:rPr lang="en-US" dirty="0"/>
               <a:pPr/>
-              <a:t>4/14/20</a:t>
+              <a:t>4/15/20</a:t>
             </a:fld>
             <a:endParaRPr lang="en-US" dirty="0"/>
           </a:p>
@@ -8616,7 +8621,7 @@
             <a:fld id="{B61BEF0D-F0BB-DE4B-95CE-6DB70DBA9567}" type="datetimeFigureOut">
               <a:rPr lang="en-US" dirty="0"/>
               <a:pPr/>
-              <a:t>4/14/20</a:t>
+              <a:t>4/15/20</a:t>
             </a:fld>
             <a:endParaRPr lang="en-US" dirty="0"/>
           </a:p>
@@ -9043,7 +9048,7 @@
             <a:fld id="{B61BEF0D-F0BB-DE4B-95CE-6DB70DBA9567}" type="datetimeFigureOut">
               <a:rPr lang="en-US" dirty="0"/>
               <a:pPr/>
-              <a:t>4/14/20</a:t>
+              <a:t>4/15/20</a:t>
             </a:fld>
             <a:endParaRPr lang="en-US" dirty="0"/>
           </a:p>
@@ -9158,7 +9163,7 @@
             <a:fld id="{B61BEF0D-F0BB-DE4B-95CE-6DB70DBA9567}" type="datetimeFigureOut">
               <a:rPr lang="en-US" dirty="0"/>
               <a:pPr/>
-              <a:t>4/14/20</a:t>
+              <a:t>4/15/20</a:t>
             </a:fld>
             <a:endParaRPr lang="en-US" dirty="0"/>
           </a:p>
@@ -9250,7 +9255,7 @@
             <a:fld id="{B61BEF0D-F0BB-DE4B-95CE-6DB70DBA9567}" type="datetimeFigureOut">
               <a:rPr lang="en-US" dirty="0"/>
               <a:pPr/>
-              <a:t>4/14/20</a:t>
+              <a:t>4/15/20</a:t>
             </a:fld>
             <a:endParaRPr lang="en-US" dirty="0"/>
           </a:p>
@@ -9530,7 +9535,7 @@
             <a:fld id="{B61BEF0D-F0BB-DE4B-95CE-6DB70DBA9567}" type="datetimeFigureOut">
               <a:rPr lang="en-US" dirty="0"/>
               <a:pPr/>
-              <a:t>4/14/20</a:t>
+              <a:t>4/15/20</a:t>
             </a:fld>
             <a:endParaRPr lang="en-US" dirty="0"/>
           </a:p>
@@ -9818,7 +9823,7 @@
             <a:fld id="{B61BEF0D-F0BB-DE4B-95CE-6DB70DBA9567}" type="datetimeFigureOut">
               <a:rPr lang="en-US" dirty="0"/>
               <a:pPr/>
-              <a:t>4/14/20</a:t>
+              <a:t>4/15/20</a:t>
             </a:fld>
             <a:endParaRPr lang="en-US" dirty="0"/>
           </a:p>
@@ -10046,7 +10051,7 @@
             <a:fld id="{B61BEF0D-F0BB-DE4B-95CE-6DB70DBA9567}" type="datetimeFigureOut">
               <a:rPr lang="en-US" dirty="0"/>
               <a:pPr/>
-              <a:t>4/14/20</a:t>
+              <a:t>4/15/20</a:t>
             </a:fld>
             <a:endParaRPr lang="en-US" dirty="0"/>
           </a:p>
@@ -10862,20 +10867,42 @@
           <a:lstStyle/>
           <a:p>
             <a:r>
-              <a:rPr lang="de-DE"/>
-              <a:t>Yannik Rummele</a:t>
+              <a:rPr lang="de-DE" dirty="0"/>
+              <a:t>Yannik </a:t>
             </a:r>
-          </a:p>
-          <a:p>
             <a:r>
               <a:rPr lang="de-DE"/>
-              <a:t>Wilson Ailen Eghonghon</a:t>
+              <a:t>Rümmele</a:t>
             </a:r>
+            <a:endParaRPr lang="de-DE" dirty="0"/>
           </a:p>
           <a:p>
             <a:r>
-              <a:rPr lang="de-DE"/>
-              <a:t>Damian knuchel</a:t>
+              <a:rPr lang="de-DE" dirty="0"/>
+              <a:t>Wilson </a:t>
+            </a:r>
+            <a:r>
+              <a:rPr lang="de-DE" dirty="0" err="1"/>
+              <a:t>Ailen</a:t>
+            </a:r>
+            <a:r>
+              <a:rPr lang="de-DE" dirty="0"/>
+              <a:t> </a:t>
+            </a:r>
+            <a:r>
+              <a:rPr lang="de-DE" dirty="0" err="1"/>
+              <a:t>Eghonghon</a:t>
+            </a:r>
+            <a:endParaRPr lang="de-DE" dirty="0"/>
+          </a:p>
+          <a:p>
+            <a:r>
+              <a:rPr lang="de-DE" dirty="0"/>
+              <a:t>Damian </a:t>
+            </a:r>
+            <a:r>
+              <a:rPr lang="de-DE" dirty="0" err="1"/>
+              <a:t>knuchel</a:t>
             </a:r>
             <a:endParaRPr lang="de-DE" dirty="0"/>
           </a:p>

--- a/groups/14-feedCtrl/Presentation1.pptx
+++ b/groups/14-feedCtrl/Presentation1.pptx
@@ -10868,10 +10868,10 @@
           <a:p>
             <a:r>
               <a:rPr lang="de-DE" dirty="0"/>
-              <a:t>Yannik </a:t>
+              <a:t>Yannick </a:t>
             </a:r>
             <a:r>
-              <a:rPr lang="de-DE"/>
+              <a:rPr lang="de-DE" dirty="0" err="1"/>
               <a:t>Rümmele</a:t>
             </a:r>
             <a:endParaRPr lang="de-DE" dirty="0"/>
